--- a/PPT/OpenFlow和OVS简介.pptx
+++ b/PPT/OpenFlow和OVS简介.pptx
@@ -636,11 +636,7 @@
         <p:txBody>
           <a:bodyPr/>
           <a:p>
-            <a:r>
-              <a:rPr lang="en-US" altLang="zh-CN"/>
-              <a:t>Overlay</a:t>
-            </a:r>
-            <a:endParaRPr lang="en-US" altLang="zh-CN"/>
+            <a:endParaRPr lang="zh-CN" altLang="en-US"/>
           </a:p>
         </p:txBody>
       </p:sp>
@@ -684,6 +680,54 @@
         <p:txBody>
           <a:bodyPr/>
           <a:p>
+            <a:r>
+              <a:rPr lang="en-US" altLang="zh-CN"/>
+              <a:t>Overlay</a:t>
+            </a:r>
+            <a:endParaRPr lang="en-US" altLang="zh-CN"/>
+          </a:p>
+        </p:txBody>
+      </p:sp>
+    </p:spTree>
+  </p:cSld>
+  <p:clrMapOvr>
+    <a:masterClrMapping/>
+  </p:clrMapOvr>
+</p:notes>
+</file>
+
+<file path=ppt/notesSlides/notesSlide13.xml><?xml version="1.0" encoding="utf-8"?>
+<p:notes xmlns:a="http://schemas.openxmlformats.org/drawingml/2006/main" xmlns:r="http://schemas.openxmlformats.org/officeDocument/2006/relationships" xmlns:p="http://schemas.openxmlformats.org/presentationml/2006/main">
+  <p:cSld>
+    <p:spTree>
+      <p:nvGrpSpPr>
+        <p:cNvPr id="1" name=""/>
+        <p:cNvGrpSpPr/>
+        <p:nvPr/>
+      </p:nvGrpSpPr>
+      <p:grpSpPr/>
+      <p:sp>
+        <p:nvSpPr>
+          <p:cNvPr id="2" name="幻灯片图像占位符 1"/>
+          <p:cNvSpPr/>
+          <p:nvPr>
+            <p:ph type="sldImg" idx="2"/>
+          </p:nvPr>
+        </p:nvSpPr>
+        <p:spPr/>
+      </p:sp>
+      <p:sp>
+        <p:nvSpPr>
+          <p:cNvPr id="3" name="文本占位符 2"/>
+          <p:cNvSpPr/>
+          <p:nvPr>
+            <p:ph type="body" idx="3"/>
+          </p:nvPr>
+        </p:nvSpPr>
+        <p:spPr/>
+        <p:txBody>
+          <a:bodyPr/>
+          <a:p>
             <a:endParaRPr lang="zh-CN" altLang="en-US"/>
           </a:p>
         </p:txBody>
@@ -1248,7 +1292,79 @@
         <p:txBody>
           <a:bodyPr/>
           <a:p>
+            <a:r>
+              <a:rPr lang="zh-CN" altLang="en-US"/>
+              <a:t>流表中的流表项有</a:t>
+            </a:r>
+            <a:r>
+              <a:rPr lang="en-US" altLang="zh-CN"/>
+              <a:t>3</a:t>
+            </a:r>
+            <a:r>
+              <a:rPr lang="zh-CN" altLang="en-US"/>
+              <a:t>个部分：</a:t>
+            </a:r>
+            <a:r>
+              <a:rPr lang="en-US" altLang="zh-CN"/>
+              <a:t>header</a:t>
+            </a:r>
+            <a:r>
+              <a:rPr lang="zh-CN" altLang="en-US"/>
+              <a:t>、</a:t>
+            </a:r>
+            <a:r>
+              <a:rPr lang="en-US" altLang="zh-CN"/>
+              <a:t>action</a:t>
+            </a:r>
+            <a:r>
+              <a:rPr lang="zh-CN" altLang="en-US"/>
+              <a:t>和</a:t>
+            </a:r>
+            <a:r>
+              <a:rPr lang="en-US" altLang="zh-CN"/>
+              <a:t>statistics</a:t>
+            </a:r>
+            <a:endParaRPr lang="en-US" altLang="zh-CN"/>
+          </a:p>
+          <a:p>
+            <a:endParaRPr lang="en-US" altLang="zh-CN"/>
+          </a:p>
+          <a:p>
+            <a:r>
+              <a:rPr lang="en-US" altLang="zh-CN"/>
+              <a:t>packet header</a:t>
+            </a:r>
+            <a:r>
+              <a:rPr lang="zh-CN" altLang="en-US"/>
+              <a:t>定义了这个流</a:t>
+            </a:r>
             <a:endParaRPr lang="zh-CN" altLang="en-US"/>
+          </a:p>
+          <a:p>
+            <a:r>
+              <a:rPr lang="en-US" altLang="zh-CN"/>
+              <a:t>action</a:t>
+            </a:r>
+            <a:r>
+              <a:rPr lang="zh-CN" altLang="en-US"/>
+              <a:t>定义了这个流的包如何被处理</a:t>
+            </a:r>
+            <a:endParaRPr lang="zh-CN" altLang="en-US"/>
+          </a:p>
+          <a:p>
+            <a:r>
+              <a:rPr lang="en-US" altLang="zh-CN"/>
+              <a:t>statistics</a:t>
+            </a:r>
+            <a:r>
+              <a:rPr lang="zh-CN" altLang="en-US"/>
+              <a:t>记录了每个流的包的数量和大小</a:t>
+            </a:r>
+            <a:r>
+              <a:rPr lang="en-US" altLang="zh-CN"/>
+              <a:t>	</a:t>
+            </a:r>
+            <a:endParaRPr lang="en-US" altLang="zh-CN"/>
           </a:p>
         </p:txBody>
       </p:sp>
@@ -7089,21 +7205,9 @@
                 <a:latin typeface="微软雅黑" panose="020B0503020204020204" pitchFamily="34" charset="-122"/>
                 <a:ea typeface="微软雅黑" panose="020B0503020204020204" pitchFamily="34" charset="-122"/>
               </a:rPr>
-              <a:t>RDMA</a:t>
-            </a:r>
-            <a:r>
-              <a:rPr lang="zh-CN" altLang="en-US" sz="4400" b="1" dirty="0">
-                <a:solidFill>
-                  <a:schemeClr val="bg1">
-                    <a:lumMod val="85000"/>
-                  </a:schemeClr>
-                </a:solidFill>
-                <a:latin typeface="微软雅黑" panose="020B0503020204020204" pitchFamily="34" charset="-122"/>
-                <a:ea typeface="微软雅黑" panose="020B0503020204020204" pitchFamily="34" charset="-122"/>
-              </a:rPr>
-              <a:t>虚拟化</a:t>
-            </a:r>
-            <a:endParaRPr lang="zh-CN" altLang="en-US" sz="4400" b="1" dirty="0">
+              <a:t>OpenFlow</a:t>
+            </a:r>
+            <a:endParaRPr lang="en-US" sz="4400" b="1" dirty="0">
               <a:solidFill>
                 <a:schemeClr val="bg1">
                   <a:lumMod val="85000"/>
@@ -13150,54 +13254,6 @@
           </a:p>
         </p:txBody>
       </p:sp>
-      <p:sp>
-        <p:nvSpPr>
-          <p:cNvPr id="9" name="文本框 8"/>
-          <p:cNvSpPr txBox="1"/>
-          <p:nvPr/>
-        </p:nvSpPr>
-        <p:spPr>
-          <a:xfrm>
-            <a:off x="874395" y="1158240"/>
-            <a:ext cx="10563225" cy="1198880"/>
-          </a:xfrm>
-          <a:prstGeom prst="rect">
-            <a:avLst/>
-          </a:prstGeom>
-          <a:noFill/>
-        </p:spPr>
-        <p:txBody>
-          <a:bodyPr wrap="square" rtlCol="0">
-            <a:spAutoFit/>
-          </a:bodyPr>
-          <a:p>
-            <a:pPr marL="285750" indent="-285750">
-              <a:lnSpc>
-                <a:spcPct val="200000"/>
-              </a:lnSpc>
-              <a:buFont typeface="Wingdings" panose="05000000000000000000" charset="0"/>
-              <a:buChar char="Ø"/>
-            </a:pPr>
-            <a:r>
-              <a:rPr lang="en-US" altLang="zh-CN">
-                <a:sym typeface="+mn-ea"/>
-              </a:rPr>
-              <a:t>a</a:t>
-            </a:r>
-            <a:endParaRPr lang="en-US" altLang="zh-CN"/>
-          </a:p>
-          <a:p>
-            <a:pPr indent="0">
-              <a:lnSpc>
-                <a:spcPct val="200000"/>
-              </a:lnSpc>
-              <a:buFont typeface="Wingdings" panose="05000000000000000000" charset="0"/>
-              <a:buNone/>
-            </a:pPr>
-            <a:endParaRPr lang="en-US" altLang="zh-CN"/>
-          </a:p>
-        </p:txBody>
-      </p:sp>
       <p:grpSp>
         <p:nvGrpSpPr>
           <p:cNvPr id="10" name="组合 9"/>
@@ -13206,7 +13262,7 @@
         </p:nvGrpSpPr>
         <p:grpSpPr>
           <a:xfrm>
-            <a:off x="3324860" y="1995170"/>
+            <a:off x="3106420" y="2000885"/>
             <a:ext cx="4279265" cy="481330"/>
             <a:chOff x="2230" y="4550"/>
             <a:chExt cx="6739" cy="758"/>
@@ -13249,7 +13305,7 @@
               <a:pPr algn="ctr"/>
               <a:r>
                 <a:rPr lang="en-US" altLang="zh-CN"/>
-                <a:t>header match</a:t>
+                <a:t>packet header</a:t>
               </a:r>
               <a:endParaRPr lang="en-US" altLang="zh-CN"/>
             </a:p>
@@ -13342,6 +13398,31 @@
           </p:txBody>
         </p:sp>
       </p:grpSp>
+      <p:pic>
+        <p:nvPicPr>
+          <p:cNvPr id="11" name="图片 10"/>
+          <p:cNvPicPr>
+            <a:picLocks noChangeAspect="1"/>
+          </p:cNvPicPr>
+          <p:nvPr/>
+        </p:nvPicPr>
+        <p:blipFill>
+          <a:blip r:embed="rId1"/>
+          <a:srcRect r="2347"/>
+          <a:stretch>
+            <a:fillRect/>
+          </a:stretch>
+        </p:blipFill>
+        <p:spPr>
+          <a:xfrm>
+            <a:off x="139700" y="3307715"/>
+            <a:ext cx="11913235" cy="1135380"/>
+          </a:xfrm>
+          <a:prstGeom prst="rect">
+            <a:avLst/>
+          </a:prstGeom>
+        </p:spPr>
+      </p:pic>
     </p:spTree>
   </p:cSld>
   <p:clrMapOvr>
